--- a/presentations/Session_4_Advanced_Boot.pptx
+++ b/presentations/Session_4_Advanced_Boot.pptx
@@ -224,7 +224,7 @@
           <a:p>
             <a:fld id="{372E5B6B-8713-8747-AE5B-F1241B2BF5F0}" type="datetimeFigureOut">
               <a:rPr lang="en-US" smtClean="0"/>
-              <a:t>5/16/16</a:t>
+              <a:t>5/17/16</a:t>
             </a:fld>
             <a:endParaRPr lang="en-US"/>
           </a:p>
@@ -390,7 +390,7 @@
           <a:p>
             <a:fld id="{7E7B7340-DDD5-1B49-81AA-25BC4050C073}" type="datetimeFigureOut">
               <a:rPr lang="en-US" smtClean="0"/>
-              <a:t>5/16/16</a:t>
+              <a:t>5/17/16</a:t>
             </a:fld>
             <a:endParaRPr lang="en-US"/>
           </a:p>
@@ -7796,6 +7796,36 @@
           </a:p>
         </p:txBody>
       </p:sp>
+      <p:pic>
+        <p:nvPicPr>
+          <p:cNvPr id="7" name="Picture 6" descr="att_logo.png"/>
+          <p:cNvPicPr>
+            <a:picLocks noChangeAspect="1"/>
+          </p:cNvPicPr>
+          <p:nvPr/>
+        </p:nvPicPr>
+        <p:blipFill>
+          <a:blip r:embed="rId5">
+            <a:extLst>
+              <a:ext uri="{28A0092B-C50C-407E-A947-70E740481C1C}">
+                <a14:useLocalDpi xmlns:a14="http://schemas.microsoft.com/office/drawing/2010/main" val="0"/>
+              </a:ext>
+            </a:extLst>
+          </a:blip>
+          <a:stretch>
+            <a:fillRect/>
+          </a:stretch>
+        </p:blipFill>
+        <p:spPr>
+          <a:xfrm>
+            <a:off x="8027486" y="104943"/>
+            <a:ext cx="986117" cy="977900"/>
+          </a:xfrm>
+          <a:prstGeom prst="rect">
+            <a:avLst/>
+          </a:prstGeom>
+        </p:spPr>
+      </p:pic>
     </p:spTree>
     <p:extLst>
       <p:ext uri="{BB962C8B-B14F-4D97-AF65-F5344CB8AC3E}">
@@ -9636,11 +9666,7 @@
             </a:pPr>
             <a:r>
               <a:rPr lang="en-US" sz="1400" dirty="0" smtClean="0"/>
-              <a:t>Importing Spring Securit</a:t>
-            </a:r>
-            <a:r>
-              <a:rPr lang="en-US" sz="1400" dirty="0" smtClean="0"/>
-              <a:t>y Dependency</a:t>
+              <a:t>Importing Spring Security Dependency</a:t>
             </a:r>
           </a:p>
           <a:p>
@@ -10480,11 +10506,6 @@
               </a:rPr>
               <a:t> into your bean</a:t>
             </a:r>
-            <a:endParaRPr lang="en-US" sz="1400" dirty="0">
-              <a:solidFill>
-                <a:srgbClr val="FFFFFF"/>
-              </a:solidFill>
-            </a:endParaRPr>
           </a:p>
         </p:txBody>
       </p:sp>
@@ -11582,7 +11603,6 @@
               <a:rPr lang="en-US" sz="1400" dirty="0" smtClean="0"/>
               <a:t>Development profile</a:t>
             </a:r>
-            <a:endParaRPr lang="en-US" sz="1400" dirty="0" smtClean="0"/>
           </a:p>
         </p:txBody>
       </p:sp>
@@ -11756,7 +11776,6 @@
               <a:rPr lang="en-US" sz="1400" dirty="0" smtClean="0"/>
               <a:t>Production profile</a:t>
             </a:r>
-            <a:endParaRPr lang="en-US" sz="1400" dirty="0" smtClean="0"/>
           </a:p>
         </p:txBody>
       </p:sp>
